--- a/Lectures/(7) Database Design - Structuring & Modeling Data.pptx
+++ b/Lectures/(7) Database Design - Structuring & Modeling Data.pptx
@@ -5,7 +5,7 @@
     <p:sldMasterId id="2147483672" r:id="rId1"/>
   </p:sldMasterIdLst>
   <p:notesMasterIdLst>
-    <p:notesMasterId r:id="rId17"/>
+    <p:notesMasterId r:id="rId18"/>
   </p:notesMasterIdLst>
   <p:sldIdLst>
     <p:sldId id="256" r:id="rId2"/>
@@ -23,30 +23,31 @@
     <p:sldId id="269" r:id="rId14"/>
     <p:sldId id="274" r:id="rId15"/>
     <p:sldId id="271" r:id="rId16"/>
+    <p:sldId id="298" r:id="rId17"/>
   </p:sldIdLst>
   <p:sldSz cx="12192000" cy="6858000"/>
   <p:notesSz cx="6858000" cy="9144000"/>
   <p:embeddedFontLst>
     <p:embeddedFont>
       <p:font typeface="Calibri" panose="020F0502020204030204" pitchFamily="34" charset="0"/>
-      <p:regular r:id="rId18"/>
-      <p:bold r:id="rId19"/>
-      <p:italic r:id="rId20"/>
-      <p:boldItalic r:id="rId21"/>
+      <p:regular r:id="rId19"/>
+      <p:bold r:id="rId20"/>
+      <p:italic r:id="rId21"/>
+      <p:boldItalic r:id="rId22"/>
     </p:embeddedFont>
     <p:embeddedFont>
-      <p:font typeface="Lato" panose="020B0604020202020204" charset="0"/>
-      <p:regular r:id="rId22"/>
-      <p:bold r:id="rId23"/>
-      <p:italic r:id="rId24"/>
-      <p:boldItalic r:id="rId25"/>
+      <p:font typeface="Lato" panose="020F0502020204030203" pitchFamily="34" charset="0"/>
+      <p:regular r:id="rId23"/>
+      <p:bold r:id="rId24"/>
+      <p:italic r:id="rId25"/>
+      <p:boldItalic r:id="rId26"/>
     </p:embeddedFont>
     <p:embeddedFont>
-      <p:font typeface="Raleway" panose="020B0604020202020204" charset="0"/>
-      <p:regular r:id="rId26"/>
-      <p:bold r:id="rId27"/>
-      <p:italic r:id="rId28"/>
-      <p:boldItalic r:id="rId29"/>
+      <p:font typeface="Raleway" pitchFamily="2" charset="0"/>
+      <p:regular r:id="rId27"/>
+      <p:bold r:id="rId28"/>
+      <p:italic r:id="rId29"/>
+      <p:boldItalic r:id="rId30"/>
     </p:embeddedFont>
   </p:embeddedFontLst>
   <p:defaultTextStyle>
@@ -286,6 +287,14 @@
 </p:presentation>
 </file>
 
+<file path=ppt/revisionInfo.xml><?xml version="1.0" encoding="utf-8"?>
+<p1510:revInfo xmlns:a="http://schemas.openxmlformats.org/drawingml/2006/main" xmlns:r="http://schemas.openxmlformats.org/officeDocument/2006/relationships" xmlns:p1510="http://schemas.microsoft.com/office/powerpoint/2015/10/main">
+  <p1510:revLst>
+    <p1510:client id="{593E54F3-1C9E-4B33-9287-C955B691FBF2}" v="1" dt="2021-10-19T22:09:38.527"/>
+  </p1510:revLst>
+</p1510:revInfo>
+</file>
+
 <file path=ppt/changesInfos/changesInfo1.xml><?xml version="1.0" encoding="utf-8"?>
 <pc:chgInfo xmlns:a="http://schemas.openxmlformats.org/drawingml/2006/main" xmlns:r="http://schemas.openxmlformats.org/officeDocument/2006/relationships" xmlns:ac="http://schemas.microsoft.com/office/drawing/2013/main/command" xmlns:pc="http://schemas.microsoft.com/office/powerpoint/2013/main/command">
   <pc:docChgLst>
@@ -427,6 +436,22 @@
           </pc:sldLayoutMkLst>
         </pc:sldLayoutChg>
       </pc:sldMasterChg>
+    </pc:docChg>
+  </pc:docChgLst>
+  <pc:docChgLst>
+    <pc:chgData name="Jeremy Bergmann" userId="2355ee0d-2b6e-4bfe-a235-383daf8df8e3" providerId="ADAL" clId="{593E54F3-1C9E-4B33-9287-C955B691FBF2}"/>
+    <pc:docChg chg="addSld modSld">
+      <pc:chgData name="Jeremy Bergmann" userId="2355ee0d-2b6e-4bfe-a235-383daf8df8e3" providerId="ADAL" clId="{593E54F3-1C9E-4B33-9287-C955B691FBF2}" dt="2021-10-19T22:09:38.527" v="0"/>
+      <pc:docMkLst>
+        <pc:docMk/>
+      </pc:docMkLst>
+      <pc:sldChg chg="add">
+        <pc:chgData name="Jeremy Bergmann" userId="2355ee0d-2b6e-4bfe-a235-383daf8df8e3" providerId="ADAL" clId="{593E54F3-1C9E-4B33-9287-C955B691FBF2}" dt="2021-10-19T22:09:38.527" v="0"/>
+        <pc:sldMkLst>
+          <pc:docMk/>
+          <pc:sldMk cId="2526615778" sldId="298"/>
+        </pc:sldMkLst>
+      </pc:sldChg>
     </pc:docChg>
   </pc:docChgLst>
 </pc:chgInfo>
@@ -2705,6 +2730,115 @@
         </p:spPr>
       </p:sp>
     </p:spTree>
+  </p:cSld>
+  <p:clrMapOvr>
+    <a:masterClrMapping/>
+  </p:clrMapOvr>
+</p:notes>
+</file>
+
+<file path=ppt/notesSlides/notesSlide16.xml><?xml version="1.0" encoding="utf-8"?>
+<p:notes xmlns:a="http://schemas.openxmlformats.org/drawingml/2006/main" xmlns:r="http://schemas.openxmlformats.org/officeDocument/2006/relationships" xmlns:p="http://schemas.openxmlformats.org/presentationml/2006/main" showMasterSp="0" showMasterPhAnim="0">
+  <p:cSld>
+    <p:spTree>
+      <p:nvGrpSpPr>
+        <p:cNvPr id="1" name="Shape 280"/>
+        <p:cNvGrpSpPr/>
+        <p:nvPr/>
+      </p:nvGrpSpPr>
+      <p:grpSpPr>
+        <a:xfrm>
+          <a:off x="0" y="0"/>
+          <a:ext cx="0" cy="0"/>
+          <a:chOff x="0" y="0"/>
+          <a:chExt cx="0" cy="0"/>
+        </a:xfrm>
+      </p:grpSpPr>
+      <p:sp>
+        <p:nvSpPr>
+          <p:cNvPr id="281" name="Google Shape;281;g5038ce4af1_0_367:notes"/>
+          <p:cNvSpPr txBox="1">
+            <a:spLocks noGrp="1"/>
+          </p:cNvSpPr>
+          <p:nvPr>
+            <p:ph type="body" idx="1"/>
+          </p:nvPr>
+        </p:nvSpPr>
+        <p:spPr>
+          <a:xfrm>
+            <a:off x="685800" y="4400550"/>
+            <a:ext cx="5486400" cy="3600600"/>
+          </a:xfrm>
+          <a:prstGeom prst="rect">
+            <a:avLst/>
+          </a:prstGeom>
+        </p:spPr>
+        <p:txBody>
+          <a:bodyPr spcFirstLastPara="1" wrap="square" lIns="91425" tIns="45700" rIns="91425" bIns="45700" anchor="t" anchorCtr="0">
+            <a:noAutofit/>
+          </a:bodyPr>
+          <a:lstStyle/>
+          <a:p>
+            <a:pPr marL="0" lvl="0" indent="0" algn="l" rtl="0">
+              <a:spcBef>
+                <a:spcPts val="0"/>
+              </a:spcBef>
+              <a:spcAft>
+                <a:spcPts val="0"/>
+              </a:spcAft>
+              <a:buNone/>
+            </a:pPr>
+            <a:endParaRPr dirty="0"/>
+          </a:p>
+        </p:txBody>
+      </p:sp>
+      <p:sp>
+        <p:nvSpPr>
+          <p:cNvPr id="282" name="Google Shape;282;g5038ce4af1_0_367:notes"/>
+          <p:cNvSpPr>
+            <a:spLocks noGrp="1" noRot="1" noChangeAspect="1"/>
+          </p:cNvSpPr>
+          <p:nvPr>
+            <p:ph type="sldImg" idx="2"/>
+          </p:nvPr>
+        </p:nvSpPr>
+        <p:spPr>
+          <a:xfrm>
+            <a:off x="685800" y="1143000"/>
+            <a:ext cx="5486400" cy="3086100"/>
+          </a:xfrm>
+          <a:custGeom>
+            <a:avLst/>
+            <a:gdLst/>
+            <a:ahLst/>
+            <a:cxnLst/>
+            <a:rect l="l" t="t" r="r" b="b"/>
+            <a:pathLst>
+              <a:path w="120000" h="120000" extrusionOk="0">
+                <a:moveTo>
+                  <a:pt x="0" y="0"/>
+                </a:moveTo>
+                <a:lnTo>
+                  <a:pt x="120000" y="0"/>
+                </a:lnTo>
+                <a:lnTo>
+                  <a:pt x="120000" y="120000"/>
+                </a:lnTo>
+                <a:lnTo>
+                  <a:pt x="0" y="120000"/>
+                </a:lnTo>
+                <a:close/>
+              </a:path>
+            </a:pathLst>
+          </a:custGeom>
+        </p:spPr>
+      </p:sp>
+    </p:spTree>
+    <p:extLst>
+      <p:ext uri="{BB962C8B-B14F-4D97-AF65-F5344CB8AC3E}">
+        <p14:creationId xmlns:p14="http://schemas.microsoft.com/office/powerpoint/2010/main" val="1561435724"/>
+      </p:ext>
+    </p:extLst>
   </p:cSld>
   <p:clrMapOvr>
     <a:masterClrMapping/>
@@ -25519,6 +25653,83 @@
 </p:sld>
 </file>
 
+<file path=ppt/slides/slide16.xml><?xml version="1.0" encoding="utf-8"?>
+<p:sld xmlns:a="http://schemas.openxmlformats.org/drawingml/2006/main" xmlns:r="http://schemas.openxmlformats.org/officeDocument/2006/relationships" xmlns:p="http://schemas.openxmlformats.org/presentationml/2006/main">
+  <p:cSld>
+    <p:spTree>
+      <p:nvGrpSpPr>
+        <p:cNvPr id="1" name="Shape 283"/>
+        <p:cNvGrpSpPr/>
+        <p:nvPr/>
+      </p:nvGrpSpPr>
+      <p:grpSpPr>
+        <a:xfrm>
+          <a:off x="0" y="0"/>
+          <a:ext cx="0" cy="0"/>
+          <a:chOff x="0" y="0"/>
+          <a:chExt cx="0" cy="0"/>
+        </a:xfrm>
+      </p:grpSpPr>
+      <p:pic>
+        <p:nvPicPr>
+          <p:cNvPr id="1026" name="Picture 2">
+            <a:extLst>
+              <a:ext uri="{FF2B5EF4-FFF2-40B4-BE49-F238E27FC236}">
+                <a16:creationId xmlns:a16="http://schemas.microsoft.com/office/drawing/2014/main" id="{D1755135-1C39-4F3D-8222-7A8A18AA4C5D}"/>
+              </a:ext>
+            </a:extLst>
+          </p:cNvPr>
+          <p:cNvPicPr>
+            <a:picLocks noChangeAspect="1" noChangeArrowheads="1"/>
+          </p:cNvPicPr>
+          <p:nvPr/>
+        </p:nvPicPr>
+        <p:blipFill>
+          <a:blip r:embed="rId3">
+            <a:extLst>
+              <a:ext uri="{28A0092B-C50C-407E-A947-70E740481C1C}">
+                <a14:useLocalDpi xmlns:a14="http://schemas.microsoft.com/office/drawing/2010/main" val="0"/>
+              </a:ext>
+            </a:extLst>
+          </a:blip>
+          <a:srcRect/>
+          <a:stretch>
+            <a:fillRect/>
+          </a:stretch>
+        </p:blipFill>
+        <p:spPr bwMode="auto">
+          <a:xfrm>
+            <a:off x="0" y="0"/>
+            <a:ext cx="12192000" cy="6858000"/>
+          </a:xfrm>
+          <a:prstGeom prst="rect">
+            <a:avLst/>
+          </a:prstGeom>
+          <a:noFill/>
+          <a:extLst>
+            <a:ext uri="{909E8E84-426E-40DD-AFC4-6F175D3DCCD1}">
+              <a14:hiddenFill xmlns:a14="http://schemas.microsoft.com/office/drawing/2010/main">
+                <a:solidFill>
+                  <a:srgbClr val="FFFFFF"/>
+                </a:solidFill>
+              </a14:hiddenFill>
+            </a:ext>
+          </a:extLst>
+        </p:spPr>
+      </p:pic>
+    </p:spTree>
+    <p:extLst>
+      <p:ext uri="{BB962C8B-B14F-4D97-AF65-F5344CB8AC3E}">
+        <p14:creationId xmlns:p14="http://schemas.microsoft.com/office/powerpoint/2010/main" val="2526615778"/>
+      </p:ext>
+    </p:extLst>
+  </p:cSld>
+  <p:clrMapOvr>
+    <a:masterClrMapping/>
+  </p:clrMapOvr>
+</p:sld>
+</file>
+
 <file path=ppt/slides/slide2.xml><?xml version="1.0" encoding="utf-8"?>
 <p:sld xmlns:a="http://schemas.openxmlformats.org/drawingml/2006/main" xmlns:r="http://schemas.openxmlformats.org/officeDocument/2006/relationships" xmlns:p="http://schemas.openxmlformats.org/presentationml/2006/main">
   <p:cSld>

--- a/Lectures/(7) Database Design - Structuring & Modeling Data.pptx
+++ b/Lectures/(7) Database Design - Structuring & Modeling Data.pptx
@@ -5,7 +5,7 @@
     <p:sldMasterId id="2147483672" r:id="rId1"/>
   </p:sldMasterIdLst>
   <p:notesMasterIdLst>
-    <p:notesMasterId r:id="rId18"/>
+    <p:notesMasterId r:id="rId20"/>
   </p:notesMasterIdLst>
   <p:sldIdLst>
     <p:sldId id="256" r:id="rId2"/>
@@ -22,32 +22,34 @@
     <p:sldId id="268" r:id="rId13"/>
     <p:sldId id="269" r:id="rId14"/>
     <p:sldId id="274" r:id="rId15"/>
-    <p:sldId id="271" r:id="rId16"/>
-    <p:sldId id="298" r:id="rId17"/>
+    <p:sldId id="258" r:id="rId16"/>
+    <p:sldId id="270" r:id="rId17"/>
+    <p:sldId id="271" r:id="rId18"/>
+    <p:sldId id="298" r:id="rId19"/>
   </p:sldIdLst>
   <p:sldSz cx="12192000" cy="6858000"/>
   <p:notesSz cx="6858000" cy="9144000"/>
   <p:embeddedFontLst>
     <p:embeddedFont>
       <p:font typeface="Calibri" panose="020F0502020204030204" pitchFamily="34" charset="0"/>
-      <p:regular r:id="rId19"/>
-      <p:bold r:id="rId20"/>
-      <p:italic r:id="rId21"/>
-      <p:boldItalic r:id="rId22"/>
+      <p:regular r:id="rId21"/>
+      <p:bold r:id="rId22"/>
+      <p:italic r:id="rId23"/>
+      <p:boldItalic r:id="rId24"/>
     </p:embeddedFont>
     <p:embeddedFont>
       <p:font typeface="Lato" panose="020F0502020204030203" pitchFamily="34" charset="0"/>
-      <p:regular r:id="rId23"/>
-      <p:bold r:id="rId24"/>
-      <p:italic r:id="rId25"/>
-      <p:boldItalic r:id="rId26"/>
+      <p:regular r:id="rId25"/>
+      <p:bold r:id="rId26"/>
+      <p:italic r:id="rId27"/>
+      <p:boldItalic r:id="rId28"/>
     </p:embeddedFont>
     <p:embeddedFont>
       <p:font typeface="Raleway" pitchFamily="2" charset="0"/>
-      <p:regular r:id="rId27"/>
-      <p:bold r:id="rId28"/>
-      <p:italic r:id="rId29"/>
-      <p:boldItalic r:id="rId30"/>
+      <p:regular r:id="rId29"/>
+      <p:bold r:id="rId30"/>
+      <p:italic r:id="rId31"/>
+      <p:boldItalic r:id="rId32"/>
     </p:embeddedFont>
   </p:embeddedFontLst>
   <p:defaultTextStyle>
@@ -290,7 +292,7 @@
 <file path=ppt/revisionInfo.xml><?xml version="1.0" encoding="utf-8"?>
 <p1510:revInfo xmlns:a="http://schemas.openxmlformats.org/drawingml/2006/main" xmlns:r="http://schemas.openxmlformats.org/officeDocument/2006/relationships" xmlns:p1510="http://schemas.microsoft.com/office/powerpoint/2015/10/main">
   <p1510:revLst>
-    <p1510:client id="{593E54F3-1C9E-4B33-9287-C955B691FBF2}" v="1" dt="2021-10-19T22:09:38.527"/>
+    <p1510:client id="{593E54F3-1C9E-4B33-9287-C955B691FBF2}" v="2" dt="2021-10-24T17:50:55.967"/>
   </p1510:revLst>
 </p1510:revInfo>
 </file>
@@ -440,11 +442,33 @@
   </pc:docChgLst>
   <pc:docChgLst>
     <pc:chgData name="Jeremy Bergmann" userId="2355ee0d-2b6e-4bfe-a235-383daf8df8e3" providerId="ADAL" clId="{593E54F3-1C9E-4B33-9287-C955B691FBF2}"/>
-    <pc:docChg chg="addSld modSld">
-      <pc:chgData name="Jeremy Bergmann" userId="2355ee0d-2b6e-4bfe-a235-383daf8df8e3" providerId="ADAL" clId="{593E54F3-1C9E-4B33-9287-C955B691FBF2}" dt="2021-10-19T22:09:38.527" v="0"/>
+    <pc:docChg chg="custSel addSld modSld">
+      <pc:chgData name="Jeremy Bergmann" userId="2355ee0d-2b6e-4bfe-a235-383daf8df8e3" providerId="ADAL" clId="{593E54F3-1C9E-4B33-9287-C955B691FBF2}" dt="2021-10-24T18:33:47.470" v="160" actId="20577"/>
       <pc:docMkLst>
         <pc:docMk/>
       </pc:docMkLst>
+      <pc:sldChg chg="add">
+        <pc:chgData name="Jeremy Bergmann" userId="2355ee0d-2b6e-4bfe-a235-383daf8df8e3" providerId="ADAL" clId="{593E54F3-1C9E-4B33-9287-C955B691FBF2}" dt="2021-10-24T17:50:55.965" v="1"/>
+        <pc:sldMkLst>
+          <pc:docMk/>
+          <pc:sldMk cId="0" sldId="258"/>
+        </pc:sldMkLst>
+      </pc:sldChg>
+      <pc:sldChg chg="modSp add mod">
+        <pc:chgData name="Jeremy Bergmann" userId="2355ee0d-2b6e-4bfe-a235-383daf8df8e3" providerId="ADAL" clId="{593E54F3-1C9E-4B33-9287-C955B691FBF2}" dt="2021-10-24T18:33:47.470" v="160" actId="20577"/>
+        <pc:sldMkLst>
+          <pc:docMk/>
+          <pc:sldMk cId="0" sldId="270"/>
+        </pc:sldMkLst>
+        <pc:spChg chg="mod">
+          <ac:chgData name="Jeremy Bergmann" userId="2355ee0d-2b6e-4bfe-a235-383daf8df8e3" providerId="ADAL" clId="{593E54F3-1C9E-4B33-9287-C955B691FBF2}" dt="2021-10-24T18:33:47.470" v="160" actId="20577"/>
+          <ac:spMkLst>
+            <pc:docMk/>
+            <pc:sldMk cId="0" sldId="270"/>
+            <ac:spMk id="292" creationId="{00000000-0000-0000-0000-000000000000}"/>
+          </ac:spMkLst>
+        </pc:spChg>
+      </pc:sldChg>
       <pc:sldChg chg="add">
         <pc:chgData name="Jeremy Bergmann" userId="2355ee0d-2b6e-4bfe-a235-383daf8df8e3" providerId="ADAL" clId="{593E54F3-1C9E-4B33-9287-C955B691FBF2}" dt="2021-10-19T22:09:38.527" v="0"/>
         <pc:sldMkLst>
@@ -2626,6 +2650,278 @@
   <p:cSld>
     <p:spTree>
       <p:nvGrpSpPr>
+        <p:cNvPr id="1" name="Shape 188"/>
+        <p:cNvGrpSpPr/>
+        <p:nvPr/>
+      </p:nvGrpSpPr>
+      <p:grpSpPr>
+        <a:xfrm>
+          <a:off x="0" y="0"/>
+          <a:ext cx="0" cy="0"/>
+          <a:chOff x="0" y="0"/>
+          <a:chExt cx="0" cy="0"/>
+        </a:xfrm>
+      </p:grpSpPr>
+      <p:sp>
+        <p:nvSpPr>
+          <p:cNvPr id="189" name="Google Shape;189;g5dee1f3947_0_1:notes"/>
+          <p:cNvSpPr txBox="1">
+            <a:spLocks noGrp="1"/>
+          </p:cNvSpPr>
+          <p:nvPr>
+            <p:ph type="body" idx="1"/>
+          </p:nvPr>
+        </p:nvSpPr>
+        <p:spPr>
+          <a:xfrm>
+            <a:off x="685800" y="4400550"/>
+            <a:ext cx="5486400" cy="3600600"/>
+          </a:xfrm>
+          <a:prstGeom prst="rect">
+            <a:avLst/>
+          </a:prstGeom>
+          <a:noFill/>
+          <a:ln>
+            <a:noFill/>
+          </a:ln>
+        </p:spPr>
+        <p:txBody>
+          <a:bodyPr spcFirstLastPara="1" wrap="square" lIns="91425" tIns="45700" rIns="91425" bIns="45700" anchor="t" anchorCtr="0">
+            <a:noAutofit/>
+          </a:bodyPr>
+          <a:lstStyle/>
+          <a:p>
+            <a:pPr marL="0" lvl="0" indent="0" algn="l" rtl="0">
+              <a:lnSpc>
+                <a:spcPct val="100000"/>
+              </a:lnSpc>
+              <a:spcBef>
+                <a:spcPts val="0"/>
+              </a:spcBef>
+              <a:spcAft>
+                <a:spcPts val="0"/>
+              </a:spcAft>
+              <a:buSzPts val="1400"/>
+              <a:buNone/>
+            </a:pPr>
+            <a:endParaRPr/>
+          </a:p>
+        </p:txBody>
+      </p:sp>
+      <p:sp>
+        <p:nvSpPr>
+          <p:cNvPr id="190" name="Google Shape;190;g5dee1f3947_0_1:notes"/>
+          <p:cNvSpPr>
+            <a:spLocks noGrp="1" noRot="1" noChangeAspect="1"/>
+          </p:cNvSpPr>
+          <p:nvPr>
+            <p:ph type="sldImg" idx="2"/>
+          </p:nvPr>
+        </p:nvSpPr>
+        <p:spPr>
+          <a:xfrm>
+            <a:off x="685800" y="1143000"/>
+            <a:ext cx="5486400" cy="3086100"/>
+          </a:xfrm>
+          <a:custGeom>
+            <a:avLst/>
+            <a:gdLst/>
+            <a:ahLst/>
+            <a:cxnLst/>
+            <a:rect l="l" t="t" r="r" b="b"/>
+            <a:pathLst>
+              <a:path w="120000" h="120000" extrusionOk="0">
+                <a:moveTo>
+                  <a:pt x="0" y="0"/>
+                </a:moveTo>
+                <a:lnTo>
+                  <a:pt x="120000" y="0"/>
+                </a:lnTo>
+                <a:lnTo>
+                  <a:pt x="120000" y="120000"/>
+                </a:lnTo>
+                <a:lnTo>
+                  <a:pt x="0" y="120000"/>
+                </a:lnTo>
+                <a:close/>
+              </a:path>
+            </a:pathLst>
+          </a:custGeom>
+          <a:noFill/>
+          <a:ln w="12700" cap="flat" cmpd="sng">
+            <a:solidFill>
+              <a:srgbClr val="000000"/>
+            </a:solidFill>
+            <a:prstDash val="solid"/>
+            <a:round/>
+            <a:headEnd type="none" w="sm" len="sm"/>
+            <a:tailEnd type="none" w="sm" len="sm"/>
+          </a:ln>
+        </p:spPr>
+      </p:sp>
+    </p:spTree>
+  </p:cSld>
+  <p:clrMapOvr>
+    <a:masterClrMapping/>
+  </p:clrMapOvr>
+</p:notes>
+</file>
+
+<file path=ppt/notesSlides/notesSlide16.xml><?xml version="1.0" encoding="utf-8"?>
+<p:notes xmlns:a="http://schemas.openxmlformats.org/drawingml/2006/main" xmlns:r="http://schemas.openxmlformats.org/officeDocument/2006/relationships" xmlns:p="http://schemas.openxmlformats.org/presentationml/2006/main" showMasterSp="0" showMasterPhAnim="0">
+  <p:cSld>
+    <p:spTree>
+      <p:nvGrpSpPr>
+        <p:cNvPr id="1" name="Shape 286"/>
+        <p:cNvGrpSpPr/>
+        <p:nvPr/>
+      </p:nvGrpSpPr>
+      <p:grpSpPr>
+        <a:xfrm>
+          <a:off x="0" y="0"/>
+          <a:ext cx="0" cy="0"/>
+          <a:chOff x="0" y="0"/>
+          <a:chExt cx="0" cy="0"/>
+        </a:xfrm>
+      </p:grpSpPr>
+      <p:sp>
+        <p:nvSpPr>
+          <p:cNvPr id="287" name="Google Shape;287;g5dd891ab24_0_90:notes"/>
+          <p:cNvSpPr>
+            <a:spLocks noGrp="1" noRot="1" noChangeAspect="1"/>
+          </p:cNvSpPr>
+          <p:nvPr>
+            <p:ph type="sldImg" idx="2"/>
+          </p:nvPr>
+        </p:nvSpPr>
+        <p:spPr>
+          <a:xfrm>
+            <a:off x="685800" y="1143000"/>
+            <a:ext cx="5486400" cy="3086100"/>
+          </a:xfrm>
+          <a:custGeom>
+            <a:avLst/>
+            <a:gdLst/>
+            <a:ahLst/>
+            <a:cxnLst/>
+            <a:rect l="l" t="t" r="r" b="b"/>
+            <a:pathLst>
+              <a:path w="120000" h="120000" extrusionOk="0">
+                <a:moveTo>
+                  <a:pt x="0" y="0"/>
+                </a:moveTo>
+                <a:lnTo>
+                  <a:pt x="120000" y="0"/>
+                </a:lnTo>
+                <a:lnTo>
+                  <a:pt x="120000" y="120000"/>
+                </a:lnTo>
+                <a:lnTo>
+                  <a:pt x="0" y="120000"/>
+                </a:lnTo>
+                <a:close/>
+              </a:path>
+            </a:pathLst>
+          </a:custGeom>
+        </p:spPr>
+      </p:sp>
+      <p:sp>
+        <p:nvSpPr>
+          <p:cNvPr id="288" name="Google Shape;288;g5dd891ab24_0_90:notes"/>
+          <p:cNvSpPr txBox="1">
+            <a:spLocks noGrp="1"/>
+          </p:cNvSpPr>
+          <p:nvPr>
+            <p:ph type="body" idx="1"/>
+          </p:nvPr>
+        </p:nvSpPr>
+        <p:spPr>
+          <a:xfrm>
+            <a:off x="685800" y="4400550"/>
+            <a:ext cx="5486400" cy="3600600"/>
+          </a:xfrm>
+          <a:prstGeom prst="rect">
+            <a:avLst/>
+          </a:prstGeom>
+        </p:spPr>
+        <p:txBody>
+          <a:bodyPr spcFirstLastPara="1" wrap="square" lIns="91425" tIns="45700" rIns="91425" bIns="45700" anchor="t" anchorCtr="0">
+            <a:noAutofit/>
+          </a:bodyPr>
+          <a:lstStyle/>
+          <a:p>
+            <a:pPr marL="0" lvl="0" indent="0" algn="l" rtl="0">
+              <a:spcBef>
+                <a:spcPts val="0"/>
+              </a:spcBef>
+              <a:spcAft>
+                <a:spcPts val="0"/>
+              </a:spcAft>
+              <a:buNone/>
+            </a:pPr>
+            <a:endParaRPr/>
+          </a:p>
+        </p:txBody>
+      </p:sp>
+      <p:sp>
+        <p:nvSpPr>
+          <p:cNvPr id="289" name="Google Shape;289;g5dd891ab24_0_90:notes"/>
+          <p:cNvSpPr txBox="1">
+            <a:spLocks noGrp="1"/>
+          </p:cNvSpPr>
+          <p:nvPr>
+            <p:ph type="sldNum" idx="12"/>
+          </p:nvPr>
+        </p:nvSpPr>
+        <p:spPr>
+          <a:xfrm>
+            <a:off x="3884613" y="8685213"/>
+            <a:ext cx="2971800" cy="458700"/>
+          </a:xfrm>
+          <a:prstGeom prst="rect">
+            <a:avLst/>
+          </a:prstGeom>
+        </p:spPr>
+        <p:txBody>
+          <a:bodyPr spcFirstLastPara="1" wrap="square" lIns="91425" tIns="45700" rIns="91425" bIns="45700" anchor="b" anchorCtr="0">
+            <a:noAutofit/>
+          </a:bodyPr>
+          <a:lstStyle/>
+          <a:p>
+            <a:pPr marL="0" lvl="0" indent="0" algn="r" rtl="0">
+              <a:spcBef>
+                <a:spcPts val="0"/>
+              </a:spcBef>
+              <a:spcAft>
+                <a:spcPts val="0"/>
+              </a:spcAft>
+              <a:buClr>
+                <a:srgbClr val="000000"/>
+              </a:buClr>
+              <a:buFont typeface="Arial"/>
+              <a:buNone/>
+            </a:pPr>
+            <a:fld id="{00000000-1234-1234-1234-123412341234}" type="slidenum">
+              <a:rPr lang="en-US"/>
+              <a:t>16</a:t>
+            </a:fld>
+            <a:endParaRPr/>
+          </a:p>
+        </p:txBody>
+      </p:sp>
+    </p:spTree>
+  </p:cSld>
+  <p:clrMapOvr>
+    <a:masterClrMapping/>
+  </p:clrMapOvr>
+</p:notes>
+</file>
+
+<file path=ppt/notesSlides/notesSlide17.xml><?xml version="1.0" encoding="utf-8"?>
+<p:notes xmlns:a="http://schemas.openxmlformats.org/drawingml/2006/main" xmlns:r="http://schemas.openxmlformats.org/officeDocument/2006/relationships" xmlns:p="http://schemas.openxmlformats.org/presentationml/2006/main" showMasterSp="0" showMasterPhAnim="0">
+  <p:cSld>
+    <p:spTree>
+      <p:nvGrpSpPr>
         <p:cNvPr id="1" name="Shape 294"/>
         <p:cNvGrpSpPr/>
         <p:nvPr/>
@@ -2737,7 +3033,7 @@
 </p:notes>
 </file>
 
-<file path=ppt/notesSlides/notesSlide16.xml><?xml version="1.0" encoding="utf-8"?>
+<file path=ppt/notesSlides/notesSlide18.xml><?xml version="1.0" encoding="utf-8"?>
 <p:notes xmlns:a="http://schemas.openxmlformats.org/drawingml/2006/main" xmlns:r="http://schemas.openxmlformats.org/officeDocument/2006/relationships" xmlns:p="http://schemas.openxmlformats.org/presentationml/2006/main" showMasterSp="0" showMasterPhAnim="0">
   <p:cSld>
     <p:spTree>
@@ -21427,6 +21723,740 @@
   <p:cSld>
     <p:spTree>
       <p:nvGrpSpPr>
+        <p:cNvPr id="1" name="Shape 191"/>
+        <p:cNvGrpSpPr/>
+        <p:nvPr/>
+      </p:nvGrpSpPr>
+      <p:grpSpPr>
+        <a:xfrm>
+          <a:off x="0" y="0"/>
+          <a:ext cx="0" cy="0"/>
+          <a:chOff x="0" y="0"/>
+          <a:chExt cx="0" cy="0"/>
+        </a:xfrm>
+      </p:grpSpPr>
+      <p:sp>
+        <p:nvSpPr>
+          <p:cNvPr id="192" name="Google Shape;192;p29"/>
+          <p:cNvSpPr txBox="1">
+            <a:spLocks noGrp="1"/>
+          </p:cNvSpPr>
+          <p:nvPr>
+            <p:ph type="title" idx="4294967295"/>
+          </p:nvPr>
+        </p:nvSpPr>
+        <p:spPr>
+          <a:xfrm>
+            <a:off x="913795" y="609600"/>
+            <a:ext cx="10353900" cy="970500"/>
+          </a:xfrm>
+          <a:prstGeom prst="rect">
+            <a:avLst/>
+          </a:prstGeom>
+          <a:noFill/>
+          <a:ln>
+            <a:noFill/>
+          </a:ln>
+          <a:effectLst>
+            <a:outerShdw blurRad="25400">
+              <a:srgbClr val="000000">
+                <a:alpha val="45490"/>
+              </a:srgbClr>
+            </a:outerShdw>
+          </a:effectLst>
+        </p:spPr>
+        <p:txBody>
+          <a:bodyPr spcFirstLastPara="1" wrap="square" lIns="91425" tIns="45700" rIns="91425" bIns="45700" anchor="ctr" anchorCtr="0">
+            <a:noAutofit/>
+          </a:bodyPr>
+          <a:lstStyle/>
+          <a:p>
+            <a:pPr marL="0" lvl="0" indent="0" algn="l" rtl="0">
+              <a:lnSpc>
+                <a:spcPct val="100000"/>
+              </a:lnSpc>
+              <a:spcBef>
+                <a:spcPts val="0"/>
+              </a:spcBef>
+              <a:spcAft>
+                <a:spcPts val="0"/>
+              </a:spcAft>
+              <a:buClr>
+                <a:schemeClr val="lt2"/>
+              </a:buClr>
+              <a:buSzPts val="4000"/>
+              <a:buFont typeface="Lustria"/>
+              <a:buNone/>
+            </a:pPr>
+            <a:r>
+              <a:rPr lang="en-US"/>
+              <a:t>Project Milestones</a:t>
+            </a:r>
+            <a:endParaRPr/>
+          </a:p>
+        </p:txBody>
+      </p:sp>
+      <p:sp>
+        <p:nvSpPr>
+          <p:cNvPr id="193" name="Google Shape;193;p29"/>
+          <p:cNvSpPr txBox="1">
+            <a:spLocks noGrp="1"/>
+          </p:cNvSpPr>
+          <p:nvPr>
+            <p:ph type="body" idx="4294967295"/>
+          </p:nvPr>
+        </p:nvSpPr>
+        <p:spPr>
+          <a:xfrm>
+            <a:off x="1001545" y="1995724"/>
+            <a:ext cx="10353900" cy="4058700"/>
+          </a:xfrm>
+          <a:prstGeom prst="rect">
+            <a:avLst/>
+          </a:prstGeom>
+          <a:noFill/>
+          <a:ln>
+            <a:noFill/>
+          </a:ln>
+          <a:effectLst>
+            <a:outerShdw blurRad="25400">
+              <a:srgbClr val="000000">
+                <a:alpha val="45490"/>
+              </a:srgbClr>
+            </a:outerShdw>
+          </a:effectLst>
+        </p:spPr>
+        <p:txBody>
+          <a:bodyPr spcFirstLastPara="1" wrap="square" lIns="91425" tIns="45700" rIns="91425" bIns="45700" anchor="t" anchorCtr="0">
+            <a:noAutofit/>
+          </a:bodyPr>
+          <a:lstStyle/>
+          <a:p>
+            <a:pPr marL="494098" lvl="0" indent="-494098" algn="l" rtl="0">
+              <a:lnSpc>
+                <a:spcPct val="115000"/>
+              </a:lnSpc>
+              <a:spcBef>
+                <a:spcPts val="0"/>
+              </a:spcBef>
+              <a:spcAft>
+                <a:spcPts val="0"/>
+              </a:spcAft>
+              <a:buClr>
+                <a:srgbClr val="000000"/>
+              </a:buClr>
+              <a:buSzPts val="2400"/>
+              <a:buFont typeface="Lustria"/>
+              <a:buAutoNum type="arabicPeriod"/>
+            </a:pPr>
+            <a:r>
+              <a:rPr lang="en-US" sz="2400" dirty="0">
+                <a:solidFill>
+                  <a:srgbClr val="000000"/>
+                </a:solidFill>
+              </a:rPr>
+              <a:t>Import data into MySQL database (Class 1)</a:t>
+            </a:r>
+            <a:endParaRPr sz="2400" dirty="0">
+              <a:solidFill>
+                <a:srgbClr val="000000"/>
+              </a:solidFill>
+            </a:endParaRPr>
+          </a:p>
+          <a:p>
+            <a:pPr marL="494098" lvl="0" indent="-494098" algn="l" rtl="0">
+              <a:lnSpc>
+                <a:spcPct val="115000"/>
+              </a:lnSpc>
+              <a:spcBef>
+                <a:spcPts val="0"/>
+              </a:spcBef>
+              <a:spcAft>
+                <a:spcPts val="0"/>
+              </a:spcAft>
+              <a:buClr>
+                <a:srgbClr val="000000"/>
+              </a:buClr>
+              <a:buSzPts val="2400"/>
+              <a:buFont typeface="Lustria"/>
+              <a:buAutoNum type="arabicPeriod"/>
+            </a:pPr>
+            <a:r>
+              <a:rPr lang="en-US" sz="2400" dirty="0">
+                <a:solidFill>
+                  <a:srgbClr val="000000"/>
+                </a:solidFill>
+              </a:rPr>
+              <a:t>Query Data for Data Understanding/Relevant Information (Class 2) </a:t>
+            </a:r>
+            <a:endParaRPr sz="2400" dirty="0">
+              <a:solidFill>
+                <a:srgbClr val="000000"/>
+              </a:solidFill>
+            </a:endParaRPr>
+          </a:p>
+          <a:p>
+            <a:pPr marL="494098" lvl="0" indent="-494098" algn="l" rtl="0">
+              <a:lnSpc>
+                <a:spcPct val="115000"/>
+              </a:lnSpc>
+              <a:spcBef>
+                <a:spcPts val="1000"/>
+              </a:spcBef>
+              <a:spcAft>
+                <a:spcPts val="0"/>
+              </a:spcAft>
+              <a:buClr>
+                <a:srgbClr val="000000"/>
+              </a:buClr>
+              <a:buSzPts val="2400"/>
+              <a:buFont typeface="Lustria"/>
+              <a:buAutoNum type="arabicPeriod"/>
+            </a:pPr>
+            <a:r>
+              <a:rPr lang="en-US" sz="2400" dirty="0">
+                <a:solidFill>
+                  <a:srgbClr val="000000"/>
+                </a:solidFill>
+              </a:rPr>
+              <a:t>Storing/Joining data for analysis (Class 3-4)</a:t>
+            </a:r>
+            <a:endParaRPr sz="2400" dirty="0">
+              <a:solidFill>
+                <a:srgbClr val="000000"/>
+              </a:solidFill>
+            </a:endParaRPr>
+          </a:p>
+          <a:p>
+            <a:pPr marL="494098" lvl="0" indent="-494098" algn="l" rtl="0">
+              <a:lnSpc>
+                <a:spcPct val="115000"/>
+              </a:lnSpc>
+              <a:spcBef>
+                <a:spcPts val="1000"/>
+              </a:spcBef>
+              <a:spcAft>
+                <a:spcPts val="0"/>
+              </a:spcAft>
+              <a:buClr>
+                <a:srgbClr val="000000"/>
+              </a:buClr>
+              <a:buSzPts val="2400"/>
+              <a:buAutoNum type="arabicPeriod"/>
+            </a:pPr>
+            <a:r>
+              <a:rPr lang="en-US" sz="2400" dirty="0">
+                <a:solidFill>
+                  <a:srgbClr val="000000"/>
+                </a:solidFill>
+              </a:rPr>
+              <a:t>Cleaning Data (Class 5)</a:t>
+            </a:r>
+          </a:p>
+          <a:p>
+            <a:pPr marL="494098" lvl="0" indent="-494098" algn="l" rtl="0">
+              <a:lnSpc>
+                <a:spcPct val="115000"/>
+              </a:lnSpc>
+              <a:spcBef>
+                <a:spcPts val="1000"/>
+              </a:spcBef>
+              <a:spcAft>
+                <a:spcPts val="0"/>
+              </a:spcAft>
+              <a:buClr>
+                <a:srgbClr val="000000"/>
+              </a:buClr>
+              <a:buSzPts val="2400"/>
+              <a:buAutoNum type="arabicPeriod"/>
+            </a:pPr>
+            <a:r>
+              <a:rPr lang="en-US" sz="2400" dirty="0">
+                <a:solidFill>
+                  <a:srgbClr val="000000"/>
+                </a:solidFill>
+              </a:rPr>
+              <a:t>Create Stored Procedures to Automate Queries (Class 6)</a:t>
+            </a:r>
+            <a:endParaRPr lang="en-US" sz="2400" dirty="0">
+              <a:solidFill>
+                <a:srgbClr val="38761D"/>
+              </a:solidFill>
+            </a:endParaRPr>
+          </a:p>
+          <a:p>
+            <a:pPr marL="494098" lvl="0" indent="-494098" algn="l" rtl="0">
+              <a:lnSpc>
+                <a:spcPct val="115000"/>
+              </a:lnSpc>
+              <a:spcBef>
+                <a:spcPts val="1000"/>
+              </a:spcBef>
+              <a:spcAft>
+                <a:spcPts val="0"/>
+              </a:spcAft>
+              <a:buClr>
+                <a:srgbClr val="38761D"/>
+              </a:buClr>
+              <a:buSzPts val="2400"/>
+              <a:buFont typeface="Lustria"/>
+              <a:buAutoNum type="arabicPeriod"/>
+            </a:pPr>
+            <a:r>
+              <a:rPr lang="en-US" sz="2400" dirty="0">
+                <a:solidFill>
+                  <a:srgbClr val="38761D"/>
+                </a:solidFill>
+              </a:rPr>
+              <a:t>Normalize Data &amp; Create Data Model (Class 7)</a:t>
+            </a:r>
+            <a:endParaRPr sz="2400" dirty="0">
+              <a:solidFill>
+                <a:srgbClr val="38761D"/>
+              </a:solidFill>
+            </a:endParaRPr>
+          </a:p>
+          <a:p>
+            <a:pPr marL="494098" lvl="0" indent="-494098" algn="l" rtl="0">
+              <a:lnSpc>
+                <a:spcPct val="115000"/>
+              </a:lnSpc>
+              <a:spcBef>
+                <a:spcPts val="1000"/>
+              </a:spcBef>
+              <a:spcAft>
+                <a:spcPts val="0"/>
+              </a:spcAft>
+              <a:buClr>
+                <a:srgbClr val="000000"/>
+              </a:buClr>
+              <a:buSzPts val="2400"/>
+              <a:buFont typeface="Lustria"/>
+              <a:buAutoNum type="arabicPeriod"/>
+            </a:pPr>
+            <a:r>
+              <a:rPr lang="en-US" sz="2400" dirty="0">
+                <a:solidFill>
+                  <a:srgbClr val="000000"/>
+                </a:solidFill>
+              </a:rPr>
+              <a:t>Analyze Data Quality &amp; Create Data Dictionary (Class 8) </a:t>
+            </a:r>
+            <a:endParaRPr sz="2400" dirty="0">
+              <a:solidFill>
+                <a:srgbClr val="000000"/>
+              </a:solidFill>
+            </a:endParaRPr>
+          </a:p>
+          <a:p>
+            <a:pPr marL="494098" lvl="0" indent="-494098" algn="l" rtl="0">
+              <a:lnSpc>
+                <a:spcPct val="115000"/>
+              </a:lnSpc>
+              <a:spcBef>
+                <a:spcPts val="1000"/>
+              </a:spcBef>
+              <a:spcAft>
+                <a:spcPts val="0"/>
+              </a:spcAft>
+              <a:buClr>
+                <a:srgbClr val="000000"/>
+              </a:buClr>
+              <a:buSzPts val="2400"/>
+              <a:buFont typeface="Lustria"/>
+              <a:buAutoNum type="arabicPeriod"/>
+            </a:pPr>
+            <a:r>
+              <a:rPr lang="en-US" sz="2400" dirty="0">
+                <a:solidFill>
+                  <a:srgbClr val="000000"/>
+                </a:solidFill>
+              </a:rPr>
+              <a:t>Connect Data to </a:t>
+            </a:r>
+            <a:r>
+              <a:rPr lang="en-US" sz="2400" dirty="0" err="1">
+                <a:solidFill>
+                  <a:srgbClr val="000000"/>
+                </a:solidFill>
+              </a:rPr>
+              <a:t>PowerBI</a:t>
+            </a:r>
+            <a:r>
+              <a:rPr lang="en-US" sz="2400" dirty="0">
+                <a:solidFill>
+                  <a:srgbClr val="000000"/>
+                </a:solidFill>
+              </a:rPr>
+              <a:t> Desktop/Cloud, Answer Business Questions (Class 8)</a:t>
+            </a:r>
+            <a:endParaRPr sz="2400" dirty="0">
+              <a:solidFill>
+                <a:srgbClr val="000000"/>
+              </a:solidFill>
+            </a:endParaRPr>
+          </a:p>
+        </p:txBody>
+      </p:sp>
+    </p:spTree>
+  </p:cSld>
+  <p:clrMapOvr>
+    <a:masterClrMapping/>
+  </p:clrMapOvr>
+</p:sld>
+</file>
+
+<file path=ppt/slides/slide16.xml><?xml version="1.0" encoding="utf-8"?>
+<p:sld xmlns:a="http://schemas.openxmlformats.org/drawingml/2006/main" xmlns:r="http://schemas.openxmlformats.org/officeDocument/2006/relationships" xmlns:p="http://schemas.openxmlformats.org/presentationml/2006/main">
+  <p:cSld>
+    <p:spTree>
+      <p:nvGrpSpPr>
+        <p:cNvPr id="1" name="Shape 290"/>
+        <p:cNvGrpSpPr/>
+        <p:nvPr/>
+      </p:nvGrpSpPr>
+      <p:grpSpPr>
+        <a:xfrm>
+          <a:off x="0" y="0"/>
+          <a:ext cx="0" cy="0"/>
+          <a:chOff x="0" y="0"/>
+          <a:chExt cx="0" cy="0"/>
+        </a:xfrm>
+      </p:grpSpPr>
+      <p:sp>
+        <p:nvSpPr>
+          <p:cNvPr id="291" name="Google Shape;291;p41"/>
+          <p:cNvSpPr txBox="1">
+            <a:spLocks noGrp="1"/>
+          </p:cNvSpPr>
+          <p:nvPr>
+            <p:ph type="ctrTitle"/>
+          </p:nvPr>
+        </p:nvSpPr>
+        <p:spPr>
+          <a:xfrm>
+            <a:off x="972825" y="544917"/>
+            <a:ext cx="10250700" cy="2219700"/>
+          </a:xfrm>
+          <a:prstGeom prst="rect">
+            <a:avLst/>
+          </a:prstGeom>
+        </p:spPr>
+        <p:txBody>
+          <a:bodyPr spcFirstLastPara="1" wrap="square" lIns="121900" tIns="121900" rIns="121900" bIns="121900" anchor="t" anchorCtr="0">
+            <a:noAutofit/>
+          </a:bodyPr>
+          <a:lstStyle/>
+          <a:p>
+            <a:pPr marL="0" lvl="0" indent="0" algn="l" rtl="0">
+              <a:spcBef>
+                <a:spcPts val="0"/>
+              </a:spcBef>
+              <a:spcAft>
+                <a:spcPts val="0"/>
+              </a:spcAft>
+              <a:buNone/>
+            </a:pPr>
+            <a:r>
+              <a:rPr lang="en-US"/>
+              <a:t>Class Project </a:t>
+            </a:r>
+            <a:endParaRPr/>
+          </a:p>
+        </p:txBody>
+      </p:sp>
+      <p:sp>
+        <p:nvSpPr>
+          <p:cNvPr id="292" name="Google Shape;292;p41"/>
+          <p:cNvSpPr txBox="1"/>
+          <p:nvPr/>
+        </p:nvSpPr>
+        <p:spPr>
+          <a:xfrm>
+            <a:off x="632458" y="1654767"/>
+            <a:ext cx="6672300" cy="5074024"/>
+          </a:xfrm>
+          <a:prstGeom prst="rect">
+            <a:avLst/>
+          </a:prstGeom>
+          <a:noFill/>
+          <a:ln>
+            <a:noFill/>
+          </a:ln>
+        </p:spPr>
+        <p:txBody>
+          <a:bodyPr spcFirstLastPara="1" wrap="square" lIns="91425" tIns="91425" rIns="91425" bIns="91425" anchor="t" anchorCtr="0">
+            <a:noAutofit/>
+          </a:bodyPr>
+          <a:lstStyle/>
+          <a:p>
+            <a:pPr marL="0" lvl="0" indent="0" algn="ctr" rtl="0">
+              <a:spcBef>
+                <a:spcPts val="0"/>
+              </a:spcBef>
+              <a:spcAft>
+                <a:spcPts val="0"/>
+              </a:spcAft>
+              <a:buNone/>
+            </a:pPr>
+            <a:r>
+              <a:rPr lang="en-US" sz="1800" b="1" u="sng" dirty="0"/>
+              <a:t>ERD using Draw.IO</a:t>
+            </a:r>
+            <a:endParaRPr sz="1800" b="1" u="sng" dirty="0"/>
+          </a:p>
+          <a:p>
+            <a:pPr marL="0" lvl="0" indent="0" algn="ctr" rtl="0">
+              <a:spcBef>
+                <a:spcPts val="0"/>
+              </a:spcBef>
+              <a:spcAft>
+                <a:spcPts val="0"/>
+              </a:spcAft>
+              <a:buNone/>
+            </a:pPr>
+            <a:r>
+              <a:rPr lang="en-US" sz="1700" b="1" u="sng" dirty="0"/>
+              <a:t>Entity Relationship Diagram</a:t>
+            </a:r>
+            <a:endParaRPr sz="1700" b="1" u="sng" dirty="0"/>
+          </a:p>
+          <a:p>
+            <a:pPr marL="0" lvl="0" indent="0" algn="l" rtl="0">
+              <a:spcBef>
+                <a:spcPts val="0"/>
+              </a:spcBef>
+              <a:spcAft>
+                <a:spcPts val="0"/>
+              </a:spcAft>
+              <a:buNone/>
+            </a:pPr>
+            <a:r>
+              <a:rPr lang="en-US" sz="1700" dirty="0"/>
+              <a:t>1. Identifies the Entities (Nouns), Attributes (Adjectives) and relationships (verbs) in the “console” schema.  </a:t>
+            </a:r>
+            <a:endParaRPr sz="1700" dirty="0"/>
+          </a:p>
+          <a:p>
+            <a:pPr marL="0" lvl="0" indent="0" algn="l" rtl="0">
+              <a:spcBef>
+                <a:spcPts val="0"/>
+              </a:spcBef>
+              <a:spcAft>
+                <a:spcPts val="0"/>
+              </a:spcAft>
+              <a:buNone/>
+            </a:pPr>
+            <a:endParaRPr sz="1700" dirty="0"/>
+          </a:p>
+          <a:p>
+            <a:pPr marL="0" lvl="0" indent="0" algn="l" rtl="0">
+              <a:spcBef>
+                <a:spcPts val="0"/>
+              </a:spcBef>
+              <a:spcAft>
+                <a:spcPts val="0"/>
+              </a:spcAft>
+              <a:buNone/>
+            </a:pPr>
+            <a:r>
+              <a:rPr lang="en-US" sz="1700" dirty="0"/>
+              <a:t>2.  Create an ERD diagram in draw.io </a:t>
+            </a:r>
+            <a:endParaRPr sz="1700" dirty="0"/>
+          </a:p>
+          <a:p>
+            <a:pPr marL="0" lvl="0" indent="0" algn="l" rtl="0">
+              <a:spcBef>
+                <a:spcPts val="0"/>
+              </a:spcBef>
+              <a:spcAft>
+                <a:spcPts val="0"/>
+              </a:spcAft>
+              <a:buNone/>
+            </a:pPr>
+            <a:endParaRPr sz="1700" dirty="0"/>
+          </a:p>
+          <a:p>
+            <a:pPr marL="0" lvl="0" indent="0" algn="ctr" rtl="0">
+              <a:spcBef>
+                <a:spcPts val="0"/>
+              </a:spcBef>
+              <a:spcAft>
+                <a:spcPts val="0"/>
+              </a:spcAft>
+              <a:buNone/>
+            </a:pPr>
+            <a:r>
+              <a:rPr lang="en-US" sz="1700" b="1" u="sng" dirty="0"/>
+              <a:t>Relational Database Modeling</a:t>
+            </a:r>
+            <a:endParaRPr sz="1700" b="1" u="sng" dirty="0"/>
+          </a:p>
+          <a:p>
+            <a:pPr marL="0" lvl="0" indent="0" algn="l" rtl="0">
+              <a:spcBef>
+                <a:spcPts val="0"/>
+              </a:spcBef>
+              <a:spcAft>
+                <a:spcPts val="0"/>
+              </a:spcAft>
+              <a:buNone/>
+            </a:pPr>
+            <a:r>
+              <a:rPr lang="en-US" sz="1700" dirty="0"/>
+              <a:t>1. Convert the ERD diagram to a relational model, using draw.io</a:t>
+            </a:r>
+            <a:endParaRPr sz="1700" dirty="0"/>
+          </a:p>
+          <a:p>
+            <a:pPr marL="0" lvl="0" indent="0" algn="l" rtl="0">
+              <a:spcBef>
+                <a:spcPts val="0"/>
+              </a:spcBef>
+              <a:spcAft>
+                <a:spcPts val="0"/>
+              </a:spcAft>
+              <a:buNone/>
+            </a:pPr>
+            <a:endParaRPr sz="1700" dirty="0"/>
+          </a:p>
+          <a:p>
+            <a:pPr marL="0" lvl="0" indent="0" algn="l" rtl="0">
+              <a:spcBef>
+                <a:spcPts val="0"/>
+              </a:spcBef>
+              <a:spcAft>
+                <a:spcPts val="0"/>
+              </a:spcAft>
+              <a:buNone/>
+            </a:pPr>
+            <a:r>
+              <a:rPr lang="en-US" sz="1700" dirty="0"/>
+              <a:t>2. Convert the relation model to an OLAP dimensional model, identifying the business entities (dimensions) and measures (facts) </a:t>
+            </a:r>
+            <a:endParaRPr sz="1700" dirty="0"/>
+          </a:p>
+          <a:p>
+            <a:pPr marL="0" lvl="0" indent="0" algn="l" rtl="0">
+              <a:spcBef>
+                <a:spcPts val="0"/>
+              </a:spcBef>
+              <a:spcAft>
+                <a:spcPts val="0"/>
+              </a:spcAft>
+              <a:buNone/>
+            </a:pPr>
+            <a:endParaRPr sz="1700" dirty="0"/>
+          </a:p>
+          <a:p>
+            <a:pPr marL="0" lvl="0" indent="0" algn="l" rtl="0">
+              <a:spcBef>
+                <a:spcPts val="0"/>
+              </a:spcBef>
+              <a:spcAft>
+                <a:spcPts val="0"/>
+              </a:spcAft>
+              <a:buNone/>
+            </a:pPr>
+            <a:r>
+              <a:rPr lang="en-US" sz="1700"/>
+              <a:t>3. Once </a:t>
+            </a:r>
+            <a:r>
+              <a:rPr lang="en-US" sz="1700" dirty="0"/>
+              <a:t>designing and normalization of the database is complete, create the SQL code (via views) that creates </a:t>
+            </a:r>
+            <a:r>
+              <a:rPr lang="en-US" sz="1700"/>
+              <a:t>the OLAP relationship </a:t>
+            </a:r>
+            <a:r>
+              <a:rPr lang="en-US" sz="1700" dirty="0"/>
+              <a:t>between tables. </a:t>
+            </a:r>
+            <a:endParaRPr sz="1700" dirty="0"/>
+          </a:p>
+          <a:p>
+            <a:pPr marL="0" lvl="0" indent="0" algn="l" rtl="0">
+              <a:spcBef>
+                <a:spcPts val="0"/>
+              </a:spcBef>
+              <a:spcAft>
+                <a:spcPts val="0"/>
+              </a:spcAft>
+              <a:buNone/>
+            </a:pPr>
+            <a:endParaRPr sz="1700" dirty="0"/>
+          </a:p>
+          <a:p>
+            <a:pPr marL="0" lvl="0" indent="0" algn="l" rtl="0">
+              <a:spcBef>
+                <a:spcPts val="0"/>
+              </a:spcBef>
+              <a:spcAft>
+                <a:spcPts val="0"/>
+              </a:spcAft>
+              <a:buNone/>
+            </a:pPr>
+            <a:r>
+              <a:rPr lang="en-US" sz="1700" dirty="0"/>
+              <a:t>Example at:  </a:t>
+            </a:r>
+            <a:r>
+              <a:rPr lang="en-US" u="sng" dirty="0">
+                <a:solidFill>
+                  <a:schemeClr val="hlink"/>
+                </a:solidFill>
+                <a:hlinkClick r:id="rId3"/>
+              </a:rPr>
+              <a:t>https://drive.google.com/file/d/1Y9GhKlDneFCqDSSHyWLC09beGWrC0qpc/view</a:t>
+            </a:r>
+            <a:endParaRPr dirty="0"/>
+          </a:p>
+        </p:txBody>
+      </p:sp>
+      <p:pic>
+        <p:nvPicPr>
+          <p:cNvPr id="293" name="Google Shape;293;p41"/>
+          <p:cNvPicPr preferRelativeResize="0"/>
+          <p:nvPr/>
+        </p:nvPicPr>
+        <p:blipFill>
+          <a:blip r:embed="rId4">
+            <a:alphaModFix/>
+          </a:blip>
+          <a:stretch>
+            <a:fillRect/>
+          </a:stretch>
+        </p:blipFill>
+        <p:spPr>
+          <a:xfrm>
+            <a:off x="7446050" y="2184467"/>
+            <a:ext cx="3636183" cy="3636183"/>
+          </a:xfrm>
+          <a:prstGeom prst="rect">
+            <a:avLst/>
+          </a:prstGeom>
+          <a:noFill/>
+          <a:ln>
+            <a:noFill/>
+          </a:ln>
+        </p:spPr>
+      </p:pic>
+    </p:spTree>
+  </p:cSld>
+  <p:clrMapOvr>
+    <a:masterClrMapping/>
+  </p:clrMapOvr>
+</p:sld>
+</file>
+
+<file path=ppt/slides/slide17.xml><?xml version="1.0" encoding="utf-8"?>
+<p:sld xmlns:a="http://schemas.openxmlformats.org/drawingml/2006/main" xmlns:r="http://schemas.openxmlformats.org/officeDocument/2006/relationships" xmlns:p="http://schemas.openxmlformats.org/presentationml/2006/main">
+  <p:cSld>
+    <p:spTree>
+      <p:nvGrpSpPr>
         <p:cNvPr id="1" name="Shape 297"/>
         <p:cNvGrpSpPr/>
         <p:nvPr/>
@@ -25653,7 +26683,7 @@
 </p:sld>
 </file>
 
-<file path=ppt/slides/slide16.xml><?xml version="1.0" encoding="utf-8"?>
+<file path=ppt/slides/slide18.xml><?xml version="1.0" encoding="utf-8"?>
 <p:sld xmlns:a="http://schemas.openxmlformats.org/drawingml/2006/main" xmlns:r="http://schemas.openxmlformats.org/officeDocument/2006/relationships" xmlns:p="http://schemas.openxmlformats.org/presentationml/2006/main">
   <p:cSld>
     <p:spTree>
